--- a/docs/diagrams/LogicComponentSequenceDiagram.pptx
+++ b/docs/diagrams/LogicComponentSequenceDiagram.pptx
@@ -208,7 +208,7 @@
           <a:p>
             <a:fld id="{F5CC4B3F-88C1-4FFA-B1B6-F41C21DC6924}" type="datetimeFigureOut">
               <a:rPr lang="en-US" smtClean="0"/>
-              <a:t>12/15/2018</a:t>
+              <a:t>4/13/19</a:t>
             </a:fld>
             <a:endParaRPr lang="en-US"/>
           </a:p>
@@ -738,7 +738,7 @@
           <a:p>
             <a:fld id="{78C97017-6FC3-485B-9764-EAC9E56C1D49}" type="datetimeFigureOut">
               <a:rPr lang="en-US" smtClean="0"/>
-              <a:t>12/15/2018</a:t>
+              <a:t>4/13/19</a:t>
             </a:fld>
             <a:endParaRPr lang="en-US"/>
           </a:p>
@@ -906,7 +906,7 @@
           <a:p>
             <a:fld id="{78C97017-6FC3-485B-9764-EAC9E56C1D49}" type="datetimeFigureOut">
               <a:rPr lang="en-US" smtClean="0"/>
-              <a:t>12/15/2018</a:t>
+              <a:t>4/13/19</a:t>
             </a:fld>
             <a:endParaRPr lang="en-US"/>
           </a:p>
@@ -1084,7 +1084,7 @@
           <a:p>
             <a:fld id="{78C97017-6FC3-485B-9764-EAC9E56C1D49}" type="datetimeFigureOut">
               <a:rPr lang="en-US" smtClean="0"/>
-              <a:t>12/15/2018</a:t>
+              <a:t>4/13/19</a:t>
             </a:fld>
             <a:endParaRPr lang="en-US"/>
           </a:p>
@@ -1252,7 +1252,7 @@
           <a:p>
             <a:fld id="{78C97017-6FC3-485B-9764-EAC9E56C1D49}" type="datetimeFigureOut">
               <a:rPr lang="en-US" smtClean="0"/>
-              <a:t>12/15/2018</a:t>
+              <a:t>4/13/19</a:t>
             </a:fld>
             <a:endParaRPr lang="en-US"/>
           </a:p>
@@ -1497,7 +1497,7 @@
           <a:p>
             <a:fld id="{78C97017-6FC3-485B-9764-EAC9E56C1D49}" type="datetimeFigureOut">
               <a:rPr lang="en-US" smtClean="0"/>
-              <a:t>12/15/2018</a:t>
+              <a:t>4/13/19</a:t>
             </a:fld>
             <a:endParaRPr lang="en-US"/>
           </a:p>
@@ -1782,7 +1782,7 @@
           <a:p>
             <a:fld id="{78C97017-6FC3-485B-9764-EAC9E56C1D49}" type="datetimeFigureOut">
               <a:rPr lang="en-US" smtClean="0"/>
-              <a:t>12/15/2018</a:t>
+              <a:t>4/13/19</a:t>
             </a:fld>
             <a:endParaRPr lang="en-US"/>
           </a:p>
@@ -2201,7 +2201,7 @@
           <a:p>
             <a:fld id="{78C97017-6FC3-485B-9764-EAC9E56C1D49}" type="datetimeFigureOut">
               <a:rPr lang="en-US" smtClean="0"/>
-              <a:t>12/15/2018</a:t>
+              <a:t>4/13/19</a:t>
             </a:fld>
             <a:endParaRPr lang="en-US"/>
           </a:p>
@@ -2318,7 +2318,7 @@
           <a:p>
             <a:fld id="{78C97017-6FC3-485B-9764-EAC9E56C1D49}" type="datetimeFigureOut">
               <a:rPr lang="en-US" smtClean="0"/>
-              <a:t>12/15/2018</a:t>
+              <a:t>4/13/19</a:t>
             </a:fld>
             <a:endParaRPr lang="en-US"/>
           </a:p>
@@ -2413,7 +2413,7 @@
           <a:p>
             <a:fld id="{78C97017-6FC3-485B-9764-EAC9E56C1D49}" type="datetimeFigureOut">
               <a:rPr lang="en-US" smtClean="0"/>
-              <a:t>12/15/2018</a:t>
+              <a:t>4/13/19</a:t>
             </a:fld>
             <a:endParaRPr lang="en-US"/>
           </a:p>
@@ -2688,7 +2688,7 @@
           <a:p>
             <a:fld id="{78C97017-6FC3-485B-9764-EAC9E56C1D49}" type="datetimeFigureOut">
               <a:rPr lang="en-US" smtClean="0"/>
-              <a:t>12/15/2018</a:t>
+              <a:t>4/13/19</a:t>
             </a:fld>
             <a:endParaRPr lang="en-US"/>
           </a:p>
@@ -2940,7 +2940,7 @@
           <a:p>
             <a:fld id="{78C97017-6FC3-485B-9764-EAC9E56C1D49}" type="datetimeFigureOut">
               <a:rPr lang="en-US" smtClean="0"/>
-              <a:t>12/15/2018</a:t>
+              <a:t>4/13/19</a:t>
             </a:fld>
             <a:endParaRPr lang="en-US"/>
           </a:p>
@@ -3151,7 +3151,7 @@
           <a:p>
             <a:fld id="{78C97017-6FC3-485B-9764-EAC9E56C1D49}" type="datetimeFigureOut">
               <a:rPr lang="en-US" smtClean="0"/>
-              <a:t>12/15/2018</a:t>
+              <a:t>4/13/19</a:t>
             </a:fld>
             <a:endParaRPr lang="en-US"/>
           </a:p>
@@ -4237,7 +4237,7 @@
         <p:spPr>
           <a:xfrm>
             <a:off x="1345305" y="2989204"/>
-            <a:ext cx="860170" cy="215444"/>
+            <a:ext cx="910148" cy="215444"/>
           </a:xfrm>
           <a:prstGeom prst="rect">
             <a:avLst/>
@@ -4252,8 +4252,24 @@
           <a:p>
             <a:pPr algn="ctr"/>
             <a:r>
+              <a:rPr lang="en-US" sz="1400"/>
+              <a:t>d</a:t>
+            </a:r>
+            <a:r>
+              <a:rPr lang="en-US" sz="1400" smtClean="0"/>
+              <a:t>elete-</a:t>
+            </a:r>
+            <a:r>
+              <a:rPr lang="en-US" sz="1400" dirty="0" err="1" smtClean="0"/>
+              <a:t>hw</a:t>
+            </a:r>
+            <a:r>
+              <a:rPr lang="en-US" sz="1400" dirty="0" smtClean="0"/>
+              <a:t> </a:t>
+            </a:r>
+            <a:r>
               <a:rPr lang="en-US" sz="1400" dirty="0"/>
-              <a:t>delete 1</a:t>
+              <a:t>1</a:t>
             </a:r>
           </a:p>
         </p:txBody>
@@ -4304,8 +4320,8 @@
         </p:nvSpPr>
         <p:spPr>
           <a:xfrm>
-            <a:off x="2552219" y="3082866"/>
-            <a:ext cx="1424846" cy="215444"/>
+            <a:off x="2446121" y="3082866"/>
+            <a:ext cx="1530944" cy="400110"/>
           </a:xfrm>
           <a:prstGeom prst="rect">
             <a:avLst/>
@@ -4320,13 +4336,34 @@
           <a:p>
             <a:pPr algn="ctr"/>
             <a:r>
-              <a:rPr lang="en-US" sz="1400" dirty="0">
+              <a:rPr lang="en-US" sz="1300" dirty="0" smtClean="0">
                 <a:solidFill>
                   <a:srgbClr val="0070C0"/>
                 </a:solidFill>
               </a:rPr>
-              <a:t>execute(“delete 1”)</a:t>
-            </a:r>
+              <a:t>execute(“delete-</a:t>
+            </a:r>
+            <a:r>
+              <a:rPr lang="en-US" sz="1300" dirty="0" err="1" smtClean="0">
+                <a:solidFill>
+                  <a:srgbClr val="0070C0"/>
+                </a:solidFill>
+              </a:rPr>
+              <a:t>hw</a:t>
+            </a:r>
+            <a:r>
+              <a:rPr lang="en-US" sz="1300" dirty="0" smtClean="0">
+                <a:solidFill>
+                  <a:srgbClr val="0070C0"/>
+                </a:solidFill>
+              </a:rPr>
+              <a:t> 1”)</a:t>
+            </a:r>
+            <a:endParaRPr lang="en-US" sz="1300" dirty="0">
+              <a:solidFill>
+                <a:srgbClr val="0070C0"/>
+              </a:solidFill>
+            </a:endParaRPr>
           </a:p>
         </p:txBody>
       </p:sp>
@@ -4376,8 +4413,8 @@
         </p:nvSpPr>
         <p:spPr>
           <a:xfrm>
-            <a:off x="4371378" y="3150453"/>
-            <a:ext cx="1228707" cy="215444"/>
+            <a:off x="4173335" y="3150453"/>
+            <a:ext cx="1563351" cy="200055"/>
           </a:xfrm>
           <a:prstGeom prst="rect">
             <a:avLst/>
@@ -4392,21 +4429,42 @@
           <a:p>
             <a:pPr algn="ctr"/>
             <a:r>
-              <a:rPr lang="en-US" sz="1400" dirty="0" err="1">
+              <a:rPr lang="en-US" sz="1300" dirty="0" err="1" smtClean="0">
                 <a:solidFill>
                   <a:srgbClr val="7030A0"/>
                 </a:solidFill>
               </a:rPr>
-              <a:t>deletePerson</a:t>
-            </a:r>
-            <a:r>
-              <a:rPr lang="en-US" sz="1400" dirty="0">
+              <a:t>deleteHomework</a:t>
+            </a:r>
+            <a:r>
+              <a:rPr lang="en-US" sz="1300" dirty="0" smtClean="0">
                 <a:solidFill>
                   <a:srgbClr val="7030A0"/>
                 </a:solidFill>
               </a:rPr>
-              <a:t>(p)</a:t>
-            </a:r>
+              <a:t>(</a:t>
+            </a:r>
+            <a:r>
+              <a:rPr lang="en-US" sz="1300" dirty="0" err="1" smtClean="0">
+                <a:solidFill>
+                  <a:srgbClr val="7030A0"/>
+                </a:solidFill>
+              </a:rPr>
+              <a:t>hw</a:t>
+            </a:r>
+            <a:r>
+              <a:rPr lang="en-US" sz="1300" dirty="0" smtClean="0">
+                <a:solidFill>
+                  <a:srgbClr val="7030A0"/>
+                </a:solidFill>
+              </a:rPr>
+              <a:t>)</a:t>
+            </a:r>
+            <a:endParaRPr lang="en-US" sz="1300" dirty="0">
+              <a:solidFill>
+                <a:srgbClr val="7030A0"/>
+              </a:solidFill>
+            </a:endParaRPr>
           </a:p>
         </p:txBody>
       </p:sp>
@@ -4756,37 +4814,37 @@
           <a:p>
             <a:pPr algn="ctr"/>
             <a:r>
-              <a:rPr lang="en-US" sz="1400" dirty="0" err="1">
+              <a:rPr lang="en-US" sz="1400" dirty="0" err="1" smtClean="0">
                 <a:solidFill>
                   <a:schemeClr val="accent6">
                     <a:lumMod val="75000"/>
                   </a:schemeClr>
                 </a:solidFill>
               </a:rPr>
-              <a:t>saveAddressBook</a:t>
-            </a:r>
-            <a:r>
-              <a:rPr lang="en-US" sz="1400" dirty="0">
+              <a:t>saveUltiStudent</a:t>
+            </a:r>
+            <a:r>
+              <a:rPr lang="en-US" sz="1400" dirty="0" smtClean="0">
                 <a:solidFill>
                   <a:schemeClr val="accent6">
                     <a:lumMod val="75000"/>
                   </a:schemeClr>
                 </a:solidFill>
               </a:rPr>
-              <a:t>(</a:t>
-            </a:r>
-            <a:r>
-              <a:rPr lang="en-US" sz="1400" dirty="0" err="1">
+              <a:t> (</a:t>
+            </a:r>
+            <a:r>
+              <a:rPr lang="en-US" sz="1400" dirty="0" err="1" smtClean="0">
                 <a:solidFill>
                   <a:schemeClr val="accent6">
                     <a:lumMod val="75000"/>
                   </a:schemeClr>
                 </a:solidFill>
               </a:rPr>
-              <a:t>AddressBook</a:t>
-            </a:r>
-            <a:r>
-              <a:rPr lang="en-US" sz="1400" dirty="0">
+              <a:t>UltiStudent</a:t>
+            </a:r>
+            <a:r>
+              <a:rPr lang="en-US" sz="1400" dirty="0" smtClean="0">
                 <a:solidFill>
                   <a:schemeClr val="accent6">
                     <a:lumMod val="75000"/>
@@ -4795,6 +4853,13 @@
               </a:rPr>
               <a:t>)</a:t>
             </a:r>
+            <a:endParaRPr lang="en-US" sz="1400" dirty="0">
+              <a:solidFill>
+                <a:schemeClr val="accent6">
+                  <a:lumMod val="75000"/>
+                </a:schemeClr>
+              </a:solidFill>
+            </a:endParaRPr>
           </a:p>
         </p:txBody>
       </p:sp>
@@ -5059,7 +5124,7 @@
           <p:cNvPr id="78" name="Straight Arrow Connector 77">
             <a:extLst>
               <a:ext uri="{FF2B5EF4-FFF2-40B4-BE49-F238E27FC236}">
-                <a16:creationId xmlns:a16="http://schemas.microsoft.com/office/drawing/2014/main" id="{4AB8DFA2-C3DE-4CDF-82C8-BDE3320A5C3E}"/>
+                <a16:creationId xmlns:a16="http://schemas.microsoft.com/office/drawing/2014/main" xmlns="" id="{4AB8DFA2-C3DE-4CDF-82C8-BDE3320A5C3E}"/>
               </a:ext>
             </a:extLst>
           </p:cNvPr>

--- a/docs/diagrams/LogicComponentSequenceDiagram.pptx
+++ b/docs/diagrams/LogicComponentSequenceDiagram.pptx
@@ -175,7 +175,7 @@
             </a:lvl1pPr>
           </a:lstStyle>
           <a:p>
-            <a:endParaRPr lang="en-US"/>
+            <a:endParaRPr lang="en-US" dirty="0"/>
           </a:p>
         </p:txBody>
       </p:sp>
@@ -208,9 +208,9 @@
           <a:p>
             <a:fld id="{F5CC4B3F-88C1-4FFA-B1B6-F41C21DC6924}" type="datetimeFigureOut">
               <a:rPr lang="en-US" smtClean="0"/>
-              <a:t>4/13/19</a:t>
+              <a:t>4/15/19</a:t>
             </a:fld>
-            <a:endParaRPr lang="en-US"/>
+            <a:endParaRPr lang="en-US" dirty="0"/>
           </a:p>
         </p:txBody>
       </p:sp>
@@ -243,7 +243,7 @@
           <a:bodyPr vert="horz" lIns="91440" tIns="45720" rIns="91440" bIns="45720" rtlCol="0" anchor="ctr"/>
           <a:lstStyle/>
           <a:p>
-            <a:endParaRPr lang="en-US"/>
+            <a:endParaRPr lang="en-US" dirty="0"/>
           </a:p>
         </p:txBody>
       </p:sp>
@@ -333,7 +333,7 @@
             </a:lvl1pPr>
           </a:lstStyle>
           <a:p>
-            <a:endParaRPr lang="en-US"/>
+            <a:endParaRPr lang="en-US" dirty="0"/>
           </a:p>
         </p:txBody>
       </p:sp>
@@ -368,7 +368,7 @@
               <a:rPr lang="en-US" smtClean="0"/>
               <a:t>‹#›</a:t>
             </a:fld>
-            <a:endParaRPr lang="en-US"/>
+            <a:endParaRPr lang="en-US" dirty="0"/>
           </a:p>
         </p:txBody>
       </p:sp>
@@ -542,7 +542,7 @@
               <a:rPr lang="en-US" smtClean="0"/>
               <a:t>1</a:t>
             </a:fld>
-            <a:endParaRPr lang="en-US"/>
+            <a:endParaRPr lang="en-US" dirty="0"/>
           </a:p>
         </p:txBody>
       </p:sp>
@@ -738,9 +738,9 @@
           <a:p>
             <a:fld id="{78C97017-6FC3-485B-9764-EAC9E56C1D49}" type="datetimeFigureOut">
               <a:rPr lang="en-US" smtClean="0"/>
-              <a:t>4/13/19</a:t>
+              <a:t>4/15/19</a:t>
             </a:fld>
-            <a:endParaRPr lang="en-US"/>
+            <a:endParaRPr lang="en-US" dirty="0"/>
           </a:p>
         </p:txBody>
       </p:sp>
@@ -759,7 +759,7 @@
           <a:bodyPr/>
           <a:lstStyle/>
           <a:p>
-            <a:endParaRPr lang="en-US"/>
+            <a:endParaRPr lang="en-US" dirty="0"/>
           </a:p>
         </p:txBody>
       </p:sp>
@@ -782,7 +782,7 @@
               <a:rPr lang="en-US" smtClean="0"/>
               <a:t>‹#›</a:t>
             </a:fld>
-            <a:endParaRPr lang="en-US"/>
+            <a:endParaRPr lang="en-US" dirty="0"/>
           </a:p>
         </p:txBody>
       </p:sp>
@@ -906,9 +906,9 @@
           <a:p>
             <a:fld id="{78C97017-6FC3-485B-9764-EAC9E56C1D49}" type="datetimeFigureOut">
               <a:rPr lang="en-US" smtClean="0"/>
-              <a:t>4/13/19</a:t>
+              <a:t>4/15/19</a:t>
             </a:fld>
-            <a:endParaRPr lang="en-US"/>
+            <a:endParaRPr lang="en-US" dirty="0"/>
           </a:p>
         </p:txBody>
       </p:sp>
@@ -927,7 +927,7 @@
           <a:bodyPr/>
           <a:lstStyle/>
           <a:p>
-            <a:endParaRPr lang="en-US"/>
+            <a:endParaRPr lang="en-US" dirty="0"/>
           </a:p>
         </p:txBody>
       </p:sp>
@@ -950,7 +950,7 @@
               <a:rPr lang="en-US" smtClean="0"/>
               <a:t>‹#›</a:t>
             </a:fld>
-            <a:endParaRPr lang="en-US"/>
+            <a:endParaRPr lang="en-US" dirty="0"/>
           </a:p>
         </p:txBody>
       </p:sp>
@@ -1084,9 +1084,9 @@
           <a:p>
             <a:fld id="{78C97017-6FC3-485B-9764-EAC9E56C1D49}" type="datetimeFigureOut">
               <a:rPr lang="en-US" smtClean="0"/>
-              <a:t>4/13/19</a:t>
+              <a:t>4/15/19</a:t>
             </a:fld>
-            <a:endParaRPr lang="en-US"/>
+            <a:endParaRPr lang="en-US" dirty="0"/>
           </a:p>
         </p:txBody>
       </p:sp>
@@ -1105,7 +1105,7 @@
           <a:bodyPr/>
           <a:lstStyle/>
           <a:p>
-            <a:endParaRPr lang="en-US"/>
+            <a:endParaRPr lang="en-US" dirty="0"/>
           </a:p>
         </p:txBody>
       </p:sp>
@@ -1128,7 +1128,7 @@
               <a:rPr lang="en-US" smtClean="0"/>
               <a:t>‹#›</a:t>
             </a:fld>
-            <a:endParaRPr lang="en-US"/>
+            <a:endParaRPr lang="en-US" dirty="0"/>
           </a:p>
         </p:txBody>
       </p:sp>
@@ -1252,9 +1252,9 @@
           <a:p>
             <a:fld id="{78C97017-6FC3-485B-9764-EAC9E56C1D49}" type="datetimeFigureOut">
               <a:rPr lang="en-US" smtClean="0"/>
-              <a:t>4/13/19</a:t>
+              <a:t>4/15/19</a:t>
             </a:fld>
-            <a:endParaRPr lang="en-US"/>
+            <a:endParaRPr lang="en-US" dirty="0"/>
           </a:p>
         </p:txBody>
       </p:sp>
@@ -1273,7 +1273,7 @@
           <a:bodyPr/>
           <a:lstStyle/>
           <a:p>
-            <a:endParaRPr lang="en-US"/>
+            <a:endParaRPr lang="en-US" dirty="0"/>
           </a:p>
         </p:txBody>
       </p:sp>
@@ -1296,7 +1296,7 @@
               <a:rPr lang="en-US" smtClean="0"/>
               <a:t>‹#›</a:t>
             </a:fld>
-            <a:endParaRPr lang="en-US"/>
+            <a:endParaRPr lang="en-US" dirty="0"/>
           </a:p>
         </p:txBody>
       </p:sp>
@@ -1497,9 +1497,9 @@
           <a:p>
             <a:fld id="{78C97017-6FC3-485B-9764-EAC9E56C1D49}" type="datetimeFigureOut">
               <a:rPr lang="en-US" smtClean="0"/>
-              <a:t>4/13/19</a:t>
+              <a:t>4/15/19</a:t>
             </a:fld>
-            <a:endParaRPr lang="en-US"/>
+            <a:endParaRPr lang="en-US" dirty="0"/>
           </a:p>
         </p:txBody>
       </p:sp>
@@ -1518,7 +1518,7 @@
           <a:bodyPr/>
           <a:lstStyle/>
           <a:p>
-            <a:endParaRPr lang="en-US"/>
+            <a:endParaRPr lang="en-US" dirty="0"/>
           </a:p>
         </p:txBody>
       </p:sp>
@@ -1541,7 +1541,7 @@
               <a:rPr lang="en-US" smtClean="0"/>
               <a:t>‹#›</a:t>
             </a:fld>
-            <a:endParaRPr lang="en-US"/>
+            <a:endParaRPr lang="en-US" dirty="0"/>
           </a:p>
         </p:txBody>
       </p:sp>
@@ -1782,9 +1782,9 @@
           <a:p>
             <a:fld id="{78C97017-6FC3-485B-9764-EAC9E56C1D49}" type="datetimeFigureOut">
               <a:rPr lang="en-US" smtClean="0"/>
-              <a:t>4/13/19</a:t>
+              <a:t>4/15/19</a:t>
             </a:fld>
-            <a:endParaRPr lang="en-US"/>
+            <a:endParaRPr lang="en-US" dirty="0"/>
           </a:p>
         </p:txBody>
       </p:sp>
@@ -1803,7 +1803,7 @@
           <a:bodyPr/>
           <a:lstStyle/>
           <a:p>
-            <a:endParaRPr lang="en-US"/>
+            <a:endParaRPr lang="en-US" dirty="0"/>
           </a:p>
         </p:txBody>
       </p:sp>
@@ -1826,7 +1826,7 @@
               <a:rPr lang="en-US" smtClean="0"/>
               <a:t>‹#›</a:t>
             </a:fld>
-            <a:endParaRPr lang="en-US"/>
+            <a:endParaRPr lang="en-US" dirty="0"/>
           </a:p>
         </p:txBody>
       </p:sp>
@@ -2201,9 +2201,9 @@
           <a:p>
             <a:fld id="{78C97017-6FC3-485B-9764-EAC9E56C1D49}" type="datetimeFigureOut">
               <a:rPr lang="en-US" smtClean="0"/>
-              <a:t>4/13/19</a:t>
+              <a:t>4/15/19</a:t>
             </a:fld>
-            <a:endParaRPr lang="en-US"/>
+            <a:endParaRPr lang="en-US" dirty="0"/>
           </a:p>
         </p:txBody>
       </p:sp>
@@ -2222,7 +2222,7 @@
           <a:bodyPr/>
           <a:lstStyle/>
           <a:p>
-            <a:endParaRPr lang="en-US"/>
+            <a:endParaRPr lang="en-US" dirty="0"/>
           </a:p>
         </p:txBody>
       </p:sp>
@@ -2245,7 +2245,7 @@
               <a:rPr lang="en-US" smtClean="0"/>
               <a:t>‹#›</a:t>
             </a:fld>
-            <a:endParaRPr lang="en-US"/>
+            <a:endParaRPr lang="en-US" dirty="0"/>
           </a:p>
         </p:txBody>
       </p:sp>
@@ -2318,9 +2318,9 @@
           <a:p>
             <a:fld id="{78C97017-6FC3-485B-9764-EAC9E56C1D49}" type="datetimeFigureOut">
               <a:rPr lang="en-US" smtClean="0"/>
-              <a:t>4/13/19</a:t>
+              <a:t>4/15/19</a:t>
             </a:fld>
-            <a:endParaRPr lang="en-US"/>
+            <a:endParaRPr lang="en-US" dirty="0"/>
           </a:p>
         </p:txBody>
       </p:sp>
@@ -2339,7 +2339,7 @@
           <a:bodyPr/>
           <a:lstStyle/>
           <a:p>
-            <a:endParaRPr lang="en-US"/>
+            <a:endParaRPr lang="en-US" dirty="0"/>
           </a:p>
         </p:txBody>
       </p:sp>
@@ -2362,7 +2362,7 @@
               <a:rPr lang="en-US" smtClean="0"/>
               <a:t>‹#›</a:t>
             </a:fld>
-            <a:endParaRPr lang="en-US"/>
+            <a:endParaRPr lang="en-US" dirty="0"/>
           </a:p>
         </p:txBody>
       </p:sp>
@@ -2413,9 +2413,9 @@
           <a:p>
             <a:fld id="{78C97017-6FC3-485B-9764-EAC9E56C1D49}" type="datetimeFigureOut">
               <a:rPr lang="en-US" smtClean="0"/>
-              <a:t>4/13/19</a:t>
+              <a:t>4/15/19</a:t>
             </a:fld>
-            <a:endParaRPr lang="en-US"/>
+            <a:endParaRPr lang="en-US" dirty="0"/>
           </a:p>
         </p:txBody>
       </p:sp>
@@ -2434,7 +2434,7 @@
           <a:bodyPr/>
           <a:lstStyle/>
           <a:p>
-            <a:endParaRPr lang="en-US"/>
+            <a:endParaRPr lang="en-US" dirty="0"/>
           </a:p>
         </p:txBody>
       </p:sp>
@@ -2457,7 +2457,7 @@
               <a:rPr lang="en-US" smtClean="0"/>
               <a:t>‹#›</a:t>
             </a:fld>
-            <a:endParaRPr lang="en-US"/>
+            <a:endParaRPr lang="en-US" dirty="0"/>
           </a:p>
         </p:txBody>
       </p:sp>
@@ -2688,9 +2688,9 @@
           <a:p>
             <a:fld id="{78C97017-6FC3-485B-9764-EAC9E56C1D49}" type="datetimeFigureOut">
               <a:rPr lang="en-US" smtClean="0"/>
-              <a:t>4/13/19</a:t>
+              <a:t>4/15/19</a:t>
             </a:fld>
-            <a:endParaRPr lang="en-US"/>
+            <a:endParaRPr lang="en-US" dirty="0"/>
           </a:p>
         </p:txBody>
       </p:sp>
@@ -2709,7 +2709,7 @@
           <a:bodyPr/>
           <a:lstStyle/>
           <a:p>
-            <a:endParaRPr lang="en-US"/>
+            <a:endParaRPr lang="en-US" dirty="0"/>
           </a:p>
         </p:txBody>
       </p:sp>
@@ -2732,7 +2732,7 @@
               <a:rPr lang="en-US" smtClean="0"/>
               <a:t>‹#›</a:t>
             </a:fld>
-            <a:endParaRPr lang="en-US"/>
+            <a:endParaRPr lang="en-US" dirty="0"/>
           </a:p>
         </p:txBody>
       </p:sp>
@@ -2854,7 +2854,7 @@
             </a:lvl9pPr>
           </a:lstStyle>
           <a:p>
-            <a:endParaRPr lang="en-US"/>
+            <a:endParaRPr lang="en-US" dirty="0"/>
           </a:p>
         </p:txBody>
       </p:sp>
@@ -2940,9 +2940,9 @@
           <a:p>
             <a:fld id="{78C97017-6FC3-485B-9764-EAC9E56C1D49}" type="datetimeFigureOut">
               <a:rPr lang="en-US" smtClean="0"/>
-              <a:t>4/13/19</a:t>
+              <a:t>4/15/19</a:t>
             </a:fld>
-            <a:endParaRPr lang="en-US"/>
+            <a:endParaRPr lang="en-US" dirty="0"/>
           </a:p>
         </p:txBody>
       </p:sp>
@@ -2961,7 +2961,7 @@
           <a:bodyPr/>
           <a:lstStyle/>
           <a:p>
-            <a:endParaRPr lang="en-US"/>
+            <a:endParaRPr lang="en-US" dirty="0"/>
           </a:p>
         </p:txBody>
       </p:sp>
@@ -2984,7 +2984,7 @@
               <a:rPr lang="en-US" smtClean="0"/>
               <a:t>‹#›</a:t>
             </a:fld>
-            <a:endParaRPr lang="en-US"/>
+            <a:endParaRPr lang="en-US" dirty="0"/>
           </a:p>
         </p:txBody>
       </p:sp>
@@ -3151,9 +3151,9 @@
           <a:p>
             <a:fld id="{78C97017-6FC3-485B-9764-EAC9E56C1D49}" type="datetimeFigureOut">
               <a:rPr lang="en-US" smtClean="0"/>
-              <a:t>4/13/19</a:t>
+              <a:t>4/15/19</a:t>
             </a:fld>
-            <a:endParaRPr lang="en-US"/>
+            <a:endParaRPr lang="en-US" dirty="0"/>
           </a:p>
         </p:txBody>
       </p:sp>
@@ -3190,7 +3190,7 @@
             </a:lvl1pPr>
           </a:lstStyle>
           <a:p>
-            <a:endParaRPr lang="en-US"/>
+            <a:endParaRPr lang="en-US" dirty="0"/>
           </a:p>
         </p:txBody>
       </p:sp>
@@ -3231,7 +3231,7 @@
               <a:rPr lang="en-US" smtClean="0"/>
               <a:t>‹#›</a:t>
             </a:fld>
-            <a:endParaRPr lang="en-US"/>
+            <a:endParaRPr lang="en-US" dirty="0"/>
           </a:p>
         </p:txBody>
       </p:sp>
@@ -3667,7 +3667,7 @@
           <a:lstStyle/>
           <a:p>
             <a:pPr algn="ctr"/>
-            <a:endParaRPr lang="en-SG" sz="1400">
+            <a:endParaRPr lang="en-SG" sz="1400" dirty="0">
               <a:solidFill>
                 <a:schemeClr val="dk1"/>
               </a:solidFill>
@@ -3734,7 +3734,7 @@
             <a:lstStyle/>
             <a:p>
               <a:pPr algn="ctr"/>
-              <a:endParaRPr lang="en-SG"/>
+              <a:endParaRPr lang="en-SG" dirty="0"/>
             </a:p>
           </p:txBody>
         </p:sp>
@@ -3851,7 +3851,7 @@
             <a:lstStyle/>
             <a:p>
               <a:pPr algn="ctr"/>
-              <a:endParaRPr lang="en-SG"/>
+              <a:endParaRPr lang="en-SG" dirty="0"/>
             </a:p>
           </p:txBody>
         </p:sp>
@@ -4033,7 +4033,7 @@
           <a:lstStyle/>
           <a:p>
             <a:pPr algn="ctr"/>
-            <a:endParaRPr lang="en-SG" sz="1400">
+            <a:endParaRPr lang="en-SG" sz="1400" dirty="0">
               <a:solidFill>
                 <a:schemeClr val="dk1"/>
               </a:solidFill>
@@ -4182,7 +4182,7 @@
           <a:lstStyle/>
           <a:p>
             <a:pPr algn="ctr"/>
-            <a:endParaRPr lang="en-SG" sz="1400">
+            <a:endParaRPr lang="en-SG" sz="1400" dirty="0">
               <a:solidFill>
                 <a:schemeClr val="dk1"/>
               </a:solidFill>
@@ -4252,20 +4252,12 @@
           <a:p>
             <a:pPr algn="ctr"/>
             <a:r>
-              <a:rPr lang="en-US" sz="1400"/>
+              <a:rPr lang="en-US" sz="1400" dirty="0"/>
               <a:t>d</a:t>
             </a:r>
             <a:r>
-              <a:rPr lang="en-US" sz="1400" smtClean="0"/>
-              <a:t>elete-</a:t>
-            </a:r>
-            <a:r>
-              <a:rPr lang="en-US" sz="1400" dirty="0" err="1" smtClean="0"/>
-              <a:t>hw</a:t>
-            </a:r>
-            <a:r>
               <a:rPr lang="en-US" sz="1400" dirty="0" smtClean="0"/>
-              <a:t> </a:t>
+              <a:t>elete-hw </a:t>
             </a:r>
             <a:r>
               <a:rPr lang="en-US" sz="1400" dirty="0"/>
@@ -4341,23 +4333,7 @@
                   <a:srgbClr val="0070C0"/>
                 </a:solidFill>
               </a:rPr>
-              <a:t>execute(“delete-</a:t>
-            </a:r>
-            <a:r>
-              <a:rPr lang="en-US" sz="1300" dirty="0" err="1" smtClean="0">
-                <a:solidFill>
-                  <a:srgbClr val="0070C0"/>
-                </a:solidFill>
-              </a:rPr>
-              <a:t>hw</a:t>
-            </a:r>
-            <a:r>
-              <a:rPr lang="en-US" sz="1300" dirty="0" smtClean="0">
-                <a:solidFill>
-                  <a:srgbClr val="0070C0"/>
-                </a:solidFill>
-              </a:rPr>
-              <a:t> 1”)</a:t>
+              <a:t>execute(“delete-hw 1”)</a:t>
             </a:r>
             <a:endParaRPr lang="en-US" sz="1300" dirty="0">
               <a:solidFill>
@@ -4429,36 +4405,12 @@
           <a:p>
             <a:pPr algn="ctr"/>
             <a:r>
-              <a:rPr lang="en-US" sz="1300" dirty="0" err="1" smtClean="0">
-                <a:solidFill>
-                  <a:srgbClr val="7030A0"/>
-                </a:solidFill>
-              </a:rPr>
-              <a:t>deleteHomework</a:t>
-            </a:r>
-            <a:r>
               <a:rPr lang="en-US" sz="1300" dirty="0" smtClean="0">
                 <a:solidFill>
                   <a:srgbClr val="7030A0"/>
                 </a:solidFill>
               </a:rPr>
-              <a:t>(</a:t>
-            </a:r>
-            <a:r>
-              <a:rPr lang="en-US" sz="1300" dirty="0" err="1" smtClean="0">
-                <a:solidFill>
-                  <a:srgbClr val="7030A0"/>
-                </a:solidFill>
-              </a:rPr>
-              <a:t>hw</a:t>
-            </a:r>
-            <a:r>
-              <a:rPr lang="en-US" sz="1300" dirty="0" smtClean="0">
-                <a:solidFill>
-                  <a:srgbClr val="7030A0"/>
-                </a:solidFill>
-              </a:rPr>
-              <a:t>)</a:t>
+              <a:t>deleteHomework(hw)</a:t>
             </a:r>
             <a:endParaRPr lang="en-US" sz="1300" dirty="0">
               <a:solidFill>
@@ -4739,7 +4691,7 @@
           <a:lstStyle/>
           <a:p>
             <a:pPr algn="ctr"/>
-            <a:endParaRPr lang="en-SG" sz="1400">
+            <a:endParaRPr lang="en-SG" sz="1400" dirty="0">
               <a:solidFill>
                 <a:schemeClr val="dk1"/>
               </a:solidFill>
@@ -4814,16 +4766,6 @@
           <a:p>
             <a:pPr algn="ctr"/>
             <a:r>
-              <a:rPr lang="en-US" sz="1400" dirty="0" err="1" smtClean="0">
-                <a:solidFill>
-                  <a:schemeClr val="accent6">
-                    <a:lumMod val="75000"/>
-                  </a:schemeClr>
-                </a:solidFill>
-              </a:rPr>
-              <a:t>saveUltiStudent</a:t>
-            </a:r>
-            <a:r>
               <a:rPr lang="en-US" sz="1400" dirty="0" smtClean="0">
                 <a:solidFill>
                   <a:schemeClr val="accent6">
@@ -4831,27 +4773,7 @@
                   </a:schemeClr>
                 </a:solidFill>
               </a:rPr>
-              <a:t> (</a:t>
-            </a:r>
-            <a:r>
-              <a:rPr lang="en-US" sz="1400" dirty="0" err="1" smtClean="0">
-                <a:solidFill>
-                  <a:schemeClr val="accent6">
-                    <a:lumMod val="75000"/>
-                  </a:schemeClr>
-                </a:solidFill>
-              </a:rPr>
-              <a:t>UltiStudent</a:t>
-            </a:r>
-            <a:r>
-              <a:rPr lang="en-US" sz="1400" dirty="0" smtClean="0">
-                <a:solidFill>
-                  <a:schemeClr val="accent6">
-                    <a:lumMod val="75000"/>
-                  </a:schemeClr>
-                </a:solidFill>
-              </a:rPr>
-              <a:t>)</a:t>
+              <a:t>saveUltiStudent (UltiStudent)</a:t>
             </a:r>
             <a:endParaRPr lang="en-US" sz="1400" dirty="0">
               <a:solidFill>
@@ -5007,7 +4929,7 @@
             <a:lstStyle/>
             <a:p>
               <a:pPr algn="ctr"/>
-              <a:endParaRPr lang="en-SG"/>
+              <a:endParaRPr lang="en-SG" dirty="0"/>
             </a:p>
           </p:txBody>
         </p:sp>
@@ -5056,7 +4978,7 @@
             <a:lstStyle/>
             <a:p>
               <a:pPr algn="ctr"/>
-              <a:endParaRPr lang="en-SG" sz="1400">
+              <a:endParaRPr lang="en-SG" sz="1400" dirty="0">
                 <a:solidFill>
                   <a:schemeClr val="dk1"/>
                 </a:solidFill>
@@ -5124,7 +5046,7 @@
           <p:cNvPr id="78" name="Straight Arrow Connector 77">
             <a:extLst>
               <a:ext uri="{FF2B5EF4-FFF2-40B4-BE49-F238E27FC236}">
-                <a16:creationId xmlns:a16="http://schemas.microsoft.com/office/drawing/2014/main" xmlns="" id="{4AB8DFA2-C3DE-4CDF-82C8-BDE3320A5C3E}"/>
+                <a16:creationId xmlns="" xmlns:a16="http://schemas.microsoft.com/office/drawing/2014/main" id="{4AB8DFA2-C3DE-4CDF-82C8-BDE3320A5C3E}"/>
               </a:ext>
             </a:extLst>
           </p:cNvPr>
